--- a/Captone project week 1 ppt.pptx
+++ b/Captone project week 1 ppt.pptx
@@ -233,7 +233,7 @@
           <a:p>
             <a:fld id="{7B97C6B7-F63D-48F8-8C65-A57506B0F13B}" type="datetimeFigureOut">
               <a:rPr lang="en-US" smtClean="0"/>
-              <a:t>12/10/24</a:t>
+              <a:t>12/28/24</a:t>
             </a:fld>
             <a:endParaRPr lang="en-US" dirty="0"/>
           </a:p>
@@ -410,7 +410,7 @@
           <a:p>
             <a:fld id="{AC09A0FA-2191-4F92-A1E4-6EB4598AC4EC}" type="datetimeFigureOut">
               <a:rPr lang="en-US" smtClean="0"/>
-              <a:t>12/10/24</a:t>
+              <a:t>12/28/24</a:t>
             </a:fld>
             <a:endParaRPr lang="en-US" dirty="0"/>
           </a:p>
@@ -8588,7 +8588,7 @@
         <p:spPr>
           <a:xfrm>
             <a:off x="0" y="1407559"/>
-            <a:ext cx="12189027" cy="3693319"/>
+            <a:ext cx="12189027" cy="3970318"/>
           </a:xfrm>
           <a:prstGeom prst="rect">
             <a:avLst/>
@@ -8626,7 +8626,7 @@
               <a:rPr lang="en-GB" sz="1800" cap="none" dirty="0">
                 <a:latin typeface="+mn-lt"/>
               </a:rPr>
-              <a:t>Heart disease remains one of the leading global health challenges, with its prevalence steadily increasing. Studies highlight that individuals with diabetes are significantly more prone to developing cardiovascular conditions compared to those without diabetes. Alongside clinical indicators like physical activity and cholesterol levels, socioeconomic factors such as income, education, race, and gender also play a crucial role in influencing heart disease risk. This analysis project examines the intersection of health and socioeconomic factors, providing insights into the predictors of heart disease and identifying vulnerable groups.</a:t>
+              <a:t>Heart disease remains one of the leading global health challenges, with its prevalence steadily increasing. Studies highlight that individuals with diabetes are significantly more prone to developing cardiovascular conditions compared to those without diabetes. Alongside clinical indicators like physical activity and cholesterol levels, socioeconomic factors such as income, education, race, and gender also play a crucial role in influencing heart disease risk. This analysis and prediction study examines the intersection of health and socioeconomic factors, providing insights into the predictors of heart disease and identifying vulnerable groups.</a:t>
             </a:r>
             <a:br>
               <a:rPr lang="en-GB" sz="1800" cap="none" dirty="0">
@@ -10687,15 +10687,6 @@
 </file>
 
 <file path=customXml/item1.xml><?xml version="1.0" encoding="utf-8"?>
-<?mso-contentType ?>
-<FormTemplates xmlns="http://schemas.microsoft.com/sharepoint/v3/contenttype/forms">
-  <Display>DocumentLibraryForm</Display>
-  <Edit>DocumentLibraryForm</Edit>
-  <New>DocumentLibraryForm</New>
-</FormTemplates>
-</file>
-
-<file path=customXml/item2.xml><?xml version="1.0" encoding="utf-8"?>
 <ct:contentTypeSchema xmlns:ct="http://schemas.microsoft.com/office/2006/metadata/contentType" xmlns:ma="http://schemas.microsoft.com/office/2006/metadata/properties/metaAttributes" ct:_="" ma:_="" ma:contentTypeName="Document" ma:contentTypeID="0x01010079F111ED35F8CC479449609E8A0923A6" ma:contentTypeVersion="28" ma:contentTypeDescription="Create a new document." ma:contentTypeScope="" ma:versionID="60f5a4f2d2b0abadcf532d48ebf9cb71">
   <xsd:schema xmlns:xsd="http://www.w3.org/2001/XMLSchema" xmlns:xs="http://www.w3.org/2001/XMLSchema" xmlns:p="http://schemas.microsoft.com/office/2006/metadata/properties" xmlns:ns1="http://schemas.microsoft.com/sharepoint/v3" xmlns:ns2="71af3243-3dd4-4a8d-8c0d-dd76da1f02a5" xmlns:ns3="16c05727-aa75-4e4a-9b5f-8a80a1165891" xmlns:ns4="230e9df3-be65-4c73-a93b-d1236ebd677e" targetNamespace="http://schemas.microsoft.com/office/2006/metadata/properties" ma:root="true" ma:fieldsID="7dd78129e6a1811f84807ad11c651531" ns1:_="" ns2:_="" ns3:_="" ns4:_="">
     <xsd:import namespace="http://schemas.microsoft.com/sharepoint/v3"/>
@@ -11007,6 +10998,15 @@
 </ct:contentTypeSchema>
 </file>
 
+<file path=customXml/item2.xml><?xml version="1.0" encoding="utf-8"?>
+<?mso-contentType ?>
+<FormTemplates xmlns="http://schemas.microsoft.com/sharepoint/v3/contenttype/forms">
+  <Display>DocumentLibraryForm</Display>
+  <Edit>DocumentLibraryForm</Edit>
+  <New>DocumentLibraryForm</New>
+</FormTemplates>
+</file>
+
 <file path=customXml/item3.xml><?xml version="1.0" encoding="utf-8"?>
 <p:properties xmlns:p="http://schemas.microsoft.com/office/2006/metadata/properties" xmlns:xsi="http://www.w3.org/2001/XMLSchema-instance" xmlns:pc="http://schemas.microsoft.com/office/infopath/2007/PartnerControls">
   <documentManagement>
@@ -11028,14 +11028,6 @@
 </file>
 
 <file path=customXml/itemProps1.xml><?xml version="1.0" encoding="utf-8"?>
-<ds:datastoreItem xmlns:ds="http://schemas.openxmlformats.org/officeDocument/2006/customXml" ds:itemID="{6E679C34-122C-4127-90D9-C271AEE94CE4}">
-  <ds:schemaRefs>
-    <ds:schemaRef ds:uri="http://schemas.microsoft.com/sharepoint/v3/contenttype/forms"/>
-  </ds:schemaRefs>
-</ds:datastoreItem>
-</file>
-
-<file path=customXml/itemProps2.xml><?xml version="1.0" encoding="utf-8"?>
 <ds:datastoreItem xmlns:ds="http://schemas.openxmlformats.org/officeDocument/2006/customXml" ds:itemID="{50437772-7826-4CEE-8E78-517B414A4257}">
   <ds:schemaRefs>
     <ds:schemaRef ds:uri="http://schemas.microsoft.com/office/2006/metadata/contentType"/>
@@ -11056,6 +11048,14 @@
 </ds:datastoreItem>
 </file>
 
+<file path=customXml/itemProps2.xml><?xml version="1.0" encoding="utf-8"?>
+<ds:datastoreItem xmlns:ds="http://schemas.openxmlformats.org/officeDocument/2006/customXml" ds:itemID="{6E679C34-122C-4127-90D9-C271AEE94CE4}">
+  <ds:schemaRefs>
+    <ds:schemaRef ds:uri="http://schemas.microsoft.com/sharepoint/v3/contenttype/forms"/>
+  </ds:schemaRefs>
+</ds:datastoreItem>
+</file>
+
 <file path=customXml/itemProps3.xml><?xml version="1.0" encoding="utf-8"?>
 <ds:datastoreItem xmlns:ds="http://schemas.openxmlformats.org/officeDocument/2006/customXml" ds:itemID="{8C26303C-A89C-422C-9097-BDF7002EFC54}">
   <ds:schemaRefs>
